--- a/powerplatform/About-security-role-in-Dataverse/images.pptx
+++ b/powerplatform/About-security-role-in-Dataverse/images.pptx
@@ -5,10 +5,7 @@
     <p:sldMasterId id="2147483648" r:id="rId1"/>
   </p:sldMasterIdLst>
   <p:sldIdLst>
-    <p:sldId id="256" r:id="rId2"/>
-    <p:sldId id="257" r:id="rId3"/>
-    <p:sldId id="259" r:id="rId4"/>
-    <p:sldId id="260" r:id="rId5"/>
+    <p:sldId id="257" r:id="rId2"/>
   </p:sldIdLst>
   <p:sldSz cx="12192000" cy="6858000"/>
   <p:notesSz cx="6858000" cy="9144000"/>
@@ -264,7 +261,7 @@
           <a:p>
             <a:fld id="{CFF68558-84F9-4A0E-BD1B-7DF67AF3BA86}" type="datetimeFigureOut">
               <a:rPr lang="en-US" smtClean="0"/>
-              <a:t>10/5/2021</a:t>
+              <a:t>2/26/2025</a:t>
             </a:fld>
             <a:endParaRPr lang="en-US"/>
           </a:p>
@@ -496,7 +493,7 @@
           <a:p>
             <a:fld id="{CFF68558-84F9-4A0E-BD1B-7DF67AF3BA86}" type="datetimeFigureOut">
               <a:rPr lang="en-US" smtClean="0"/>
-              <a:t>10/5/2021</a:t>
+              <a:t>2/26/2025</a:t>
             </a:fld>
             <a:endParaRPr lang="en-US"/>
           </a:p>
@@ -738,7 +735,7 @@
           <a:p>
             <a:fld id="{CFF68558-84F9-4A0E-BD1B-7DF67AF3BA86}" type="datetimeFigureOut">
               <a:rPr lang="en-US" smtClean="0"/>
-              <a:t>10/5/2021</a:t>
+              <a:t>2/26/2025</a:t>
             </a:fld>
             <a:endParaRPr lang="en-US"/>
           </a:p>
@@ -970,7 +967,7 @@
           <a:p>
             <a:fld id="{CFF68558-84F9-4A0E-BD1B-7DF67AF3BA86}" type="datetimeFigureOut">
               <a:rPr lang="en-US" smtClean="0"/>
-              <a:t>10/5/2021</a:t>
+              <a:t>2/26/2025</a:t>
             </a:fld>
             <a:endParaRPr lang="en-US"/>
           </a:p>
@@ -1246,7 +1243,7 @@
           <a:p>
             <a:fld id="{CFF68558-84F9-4A0E-BD1B-7DF67AF3BA86}" type="datetimeFigureOut">
               <a:rPr lang="en-US" smtClean="0"/>
-              <a:t>10/5/2021</a:t>
+              <a:t>2/26/2025</a:t>
             </a:fld>
             <a:endParaRPr lang="en-US"/>
           </a:p>
@@ -1578,7 +1575,7 @@
           <a:p>
             <a:fld id="{CFF68558-84F9-4A0E-BD1B-7DF67AF3BA86}" type="datetimeFigureOut">
               <a:rPr lang="en-US" smtClean="0"/>
-              <a:t>10/5/2021</a:t>
+              <a:t>2/26/2025</a:t>
             </a:fld>
             <a:endParaRPr lang="en-US"/>
           </a:p>
@@ -2057,7 +2054,7 @@
           <a:p>
             <a:fld id="{CFF68558-84F9-4A0E-BD1B-7DF67AF3BA86}" type="datetimeFigureOut">
               <a:rPr lang="en-US" smtClean="0"/>
-              <a:t>10/5/2021</a:t>
+              <a:t>2/26/2025</a:t>
             </a:fld>
             <a:endParaRPr lang="en-US"/>
           </a:p>
@@ -2199,7 +2196,7 @@
           <a:p>
             <a:fld id="{CFF68558-84F9-4A0E-BD1B-7DF67AF3BA86}" type="datetimeFigureOut">
               <a:rPr lang="en-US" smtClean="0"/>
-              <a:t>10/5/2021</a:t>
+              <a:t>2/26/2025</a:t>
             </a:fld>
             <a:endParaRPr lang="en-US"/>
           </a:p>
@@ -2312,7 +2309,7 @@
           <a:p>
             <a:fld id="{CFF68558-84F9-4A0E-BD1B-7DF67AF3BA86}" type="datetimeFigureOut">
               <a:rPr lang="en-US" smtClean="0"/>
-              <a:t>10/5/2021</a:t>
+              <a:t>2/26/2025</a:t>
             </a:fld>
             <a:endParaRPr lang="en-US"/>
           </a:p>
@@ -2657,7 +2654,7 @@
           <a:p>
             <a:fld id="{CFF68558-84F9-4A0E-BD1B-7DF67AF3BA86}" type="datetimeFigureOut">
               <a:rPr lang="en-US" smtClean="0"/>
-              <a:t>10/5/2021</a:t>
+              <a:t>2/26/2025</a:t>
             </a:fld>
             <a:endParaRPr lang="en-US"/>
           </a:p>
@@ -2946,7 +2943,7 @@
           <a:p>
             <a:fld id="{CFF68558-84F9-4A0E-BD1B-7DF67AF3BA86}" type="datetimeFigureOut">
               <a:rPr lang="en-US" smtClean="0"/>
-              <a:t>10/5/2021</a:t>
+              <a:t>2/26/2025</a:t>
             </a:fld>
             <a:endParaRPr lang="en-US"/>
           </a:p>
@@ -3221,7 +3218,7 @@
           <a:p>
             <a:fld id="{CFF68558-84F9-4A0E-BD1B-7DF67AF3BA86}" type="datetimeFigureOut">
               <a:rPr lang="en-US" smtClean="0"/>
-              <a:t>10/5/2021</a:t>
+              <a:t>2/26/2025</a:t>
             </a:fld>
             <a:endParaRPr lang="en-US"/>
           </a:p>
@@ -3640,86 +3637,6 @@
       </p:grpSpPr>
       <p:sp>
         <p:nvSpPr>
-          <p:cNvPr id="2" name="タイトル 1">
-            <a:extLst>
-              <a:ext uri="{FF2B5EF4-FFF2-40B4-BE49-F238E27FC236}">
-                <a16:creationId xmlns:a16="http://schemas.microsoft.com/office/drawing/2014/main" id="{C8B29FB2-E179-4B99-B256-0EF04790C60D}"/>
-              </a:ext>
-            </a:extLst>
-          </p:cNvPr>
-          <p:cNvSpPr>
-            <a:spLocks noGrp="1"/>
-          </p:cNvSpPr>
-          <p:nvPr>
-            <p:ph type="ctrTitle"/>
-          </p:nvPr>
-        </p:nvSpPr>
-        <p:spPr/>
-        <p:txBody>
-          <a:bodyPr/>
-          <a:lstStyle/>
-          <a:p>
-            <a:endParaRPr lang="en-US"/>
-          </a:p>
-        </p:txBody>
-      </p:sp>
-      <p:sp>
-        <p:nvSpPr>
-          <p:cNvPr id="3" name="字幕 2">
-            <a:extLst>
-              <a:ext uri="{FF2B5EF4-FFF2-40B4-BE49-F238E27FC236}">
-                <a16:creationId xmlns:a16="http://schemas.microsoft.com/office/drawing/2014/main" id="{E0F802F5-1CCA-4DF7-A76B-C9E7640AB6D5}"/>
-              </a:ext>
-            </a:extLst>
-          </p:cNvPr>
-          <p:cNvSpPr>
-            <a:spLocks noGrp="1"/>
-          </p:cNvSpPr>
-          <p:nvPr>
-            <p:ph type="subTitle" idx="1"/>
-          </p:nvPr>
-        </p:nvSpPr>
-        <p:spPr/>
-        <p:txBody>
-          <a:bodyPr/>
-          <a:lstStyle/>
-          <a:p>
-            <a:endParaRPr lang="en-US"/>
-          </a:p>
-        </p:txBody>
-      </p:sp>
-    </p:spTree>
-    <p:extLst>
-      <p:ext uri="{BB962C8B-B14F-4D97-AF65-F5344CB8AC3E}">
-        <p14:creationId xmlns:p14="http://schemas.microsoft.com/office/powerpoint/2010/main" val="3223388900"/>
-      </p:ext>
-    </p:extLst>
-  </p:cSld>
-  <p:clrMapOvr>
-    <a:masterClrMapping/>
-  </p:clrMapOvr>
-</p:sld>
-</file>
-
-<file path=ppt/slides/slide2.xml><?xml version="1.0" encoding="utf-8"?>
-<p:sld xmlns:a="http://schemas.openxmlformats.org/drawingml/2006/main" xmlns:r="http://schemas.openxmlformats.org/officeDocument/2006/relationships" xmlns:p="http://schemas.openxmlformats.org/presentationml/2006/main">
-  <p:cSld>
-    <p:spTree>
-      <p:nvGrpSpPr>
-        <p:cNvPr id="1" name=""/>
-        <p:cNvGrpSpPr/>
-        <p:nvPr/>
-      </p:nvGrpSpPr>
-      <p:grpSpPr>
-        <a:xfrm>
-          <a:off x="0" y="0"/>
-          <a:ext cx="0" cy="0"/>
-          <a:chOff x="0" y="0"/>
-          <a:chExt cx="0" cy="0"/>
-        </a:xfrm>
-      </p:grpSpPr>
-      <p:sp>
-        <p:nvSpPr>
           <p:cNvPr id="22" name="四角形: 角を丸くする 21">
             <a:extLst>
               <a:ext uri="{FF2B5EF4-FFF2-40B4-BE49-F238E27FC236}">
@@ -5632,691 +5549,6 @@
     <p:extLst>
       <p:ext uri="{BB962C8B-B14F-4D97-AF65-F5344CB8AC3E}">
         <p14:creationId xmlns:p14="http://schemas.microsoft.com/office/powerpoint/2010/main" val="884312006"/>
-      </p:ext>
-    </p:extLst>
-  </p:cSld>
-  <p:clrMapOvr>
-    <a:masterClrMapping/>
-  </p:clrMapOvr>
-</p:sld>
-</file>
-
-<file path=ppt/slides/slide3.xml><?xml version="1.0" encoding="utf-8"?>
-<p:sld xmlns:a="http://schemas.openxmlformats.org/drawingml/2006/main" xmlns:r="http://schemas.openxmlformats.org/officeDocument/2006/relationships" xmlns:p="http://schemas.openxmlformats.org/presentationml/2006/main">
-  <p:cSld>
-    <p:spTree>
-      <p:nvGrpSpPr>
-        <p:cNvPr id="1" name=""/>
-        <p:cNvGrpSpPr/>
-        <p:nvPr/>
-      </p:nvGrpSpPr>
-      <p:grpSpPr>
-        <a:xfrm>
-          <a:off x="0" y="0"/>
-          <a:ext cx="0" cy="0"/>
-          <a:chOff x="0" y="0"/>
-          <a:chExt cx="0" cy="0"/>
-        </a:xfrm>
-      </p:grpSpPr>
-      <p:pic>
-        <p:nvPicPr>
-          <p:cNvPr id="3" name="図 2">
-            <a:extLst>
-              <a:ext uri="{FF2B5EF4-FFF2-40B4-BE49-F238E27FC236}">
-                <a16:creationId xmlns:a16="http://schemas.microsoft.com/office/drawing/2014/main" id="{D4CA4F66-960D-4AA0-B26C-650BD2A43D47}"/>
-              </a:ext>
-            </a:extLst>
-          </p:cNvPr>
-          <p:cNvPicPr>
-            <a:picLocks noChangeAspect="1"/>
-          </p:cNvPicPr>
-          <p:nvPr/>
-        </p:nvPicPr>
-        <p:blipFill>
-          <a:blip r:embed="rId2"/>
-          <a:stretch>
-            <a:fillRect/>
-          </a:stretch>
-        </p:blipFill>
-        <p:spPr>
-          <a:xfrm>
-            <a:off x="0" y="1431630"/>
-            <a:ext cx="12192000" cy="3994740"/>
-          </a:xfrm>
-          <a:prstGeom prst="rect">
-            <a:avLst/>
-          </a:prstGeom>
-        </p:spPr>
-      </p:pic>
-      <p:sp>
-        <p:nvSpPr>
-          <p:cNvPr id="5" name="正方形/長方形 4">
-            <a:extLst>
-              <a:ext uri="{FF2B5EF4-FFF2-40B4-BE49-F238E27FC236}">
-                <a16:creationId xmlns:a16="http://schemas.microsoft.com/office/drawing/2014/main" id="{B1854647-1667-4538-90B7-3E235CC3303F}"/>
-              </a:ext>
-            </a:extLst>
-          </p:cNvPr>
-          <p:cNvSpPr/>
-          <p:nvPr/>
-        </p:nvSpPr>
-        <p:spPr>
-          <a:xfrm>
-            <a:off x="8031480" y="2286000"/>
-            <a:ext cx="266700" cy="205740"/>
-          </a:xfrm>
-          <a:prstGeom prst="rect">
-            <a:avLst/>
-          </a:prstGeom>
-          <a:noFill/>
-          <a:ln w="19050">
-            <a:solidFill>
-              <a:srgbClr val="EE0000"/>
-            </a:solidFill>
-          </a:ln>
-        </p:spPr>
-        <p:style>
-          <a:lnRef idx="2">
-            <a:schemeClr val="accent1">
-              <a:shade val="50000"/>
-            </a:schemeClr>
-          </a:lnRef>
-          <a:fillRef idx="1">
-            <a:schemeClr val="accent1"/>
-          </a:fillRef>
-          <a:effectRef idx="0">
-            <a:schemeClr val="accent1"/>
-          </a:effectRef>
-          <a:fontRef idx="minor">
-            <a:schemeClr val="lt1"/>
-          </a:fontRef>
-        </p:style>
-        <p:txBody>
-          <a:bodyPr rtlCol="0" anchor="ctr"/>
-          <a:lstStyle/>
-          <a:p>
-            <a:pPr algn="ctr"/>
-            <a:endParaRPr lang="en-US"/>
-          </a:p>
-        </p:txBody>
-      </p:sp>
-      <p:sp>
-        <p:nvSpPr>
-          <p:cNvPr id="7" name="正方形/長方形 6">
-            <a:extLst>
-              <a:ext uri="{FF2B5EF4-FFF2-40B4-BE49-F238E27FC236}">
-                <a16:creationId xmlns:a16="http://schemas.microsoft.com/office/drawing/2014/main" id="{D73455AB-3D07-423F-9D64-93BE5FE16F8C}"/>
-              </a:ext>
-            </a:extLst>
-          </p:cNvPr>
-          <p:cNvSpPr/>
-          <p:nvPr/>
-        </p:nvSpPr>
-        <p:spPr>
-          <a:xfrm>
-            <a:off x="10561320" y="4335780"/>
-            <a:ext cx="1546860" cy="365760"/>
-          </a:xfrm>
-          <a:prstGeom prst="rect">
-            <a:avLst/>
-          </a:prstGeom>
-          <a:noFill/>
-          <a:ln w="19050">
-            <a:solidFill>
-              <a:srgbClr val="EE0000"/>
-            </a:solidFill>
-          </a:ln>
-        </p:spPr>
-        <p:style>
-          <a:lnRef idx="2">
-            <a:schemeClr val="accent1">
-              <a:shade val="50000"/>
-            </a:schemeClr>
-          </a:lnRef>
-          <a:fillRef idx="1">
-            <a:schemeClr val="accent1"/>
-          </a:fillRef>
-          <a:effectRef idx="0">
-            <a:schemeClr val="accent1"/>
-          </a:effectRef>
-          <a:fontRef idx="minor">
-            <a:schemeClr val="lt1"/>
-          </a:fontRef>
-        </p:style>
-        <p:txBody>
-          <a:bodyPr rtlCol="0" anchor="ctr"/>
-          <a:lstStyle/>
-          <a:p>
-            <a:pPr algn="ctr"/>
-            <a:endParaRPr lang="en-US"/>
-          </a:p>
-        </p:txBody>
-      </p:sp>
-      <p:sp>
-        <p:nvSpPr>
-          <p:cNvPr id="9" name="正方形/長方形 8">
-            <a:extLst>
-              <a:ext uri="{FF2B5EF4-FFF2-40B4-BE49-F238E27FC236}">
-                <a16:creationId xmlns:a16="http://schemas.microsoft.com/office/drawing/2014/main" id="{2E61D6E5-27CC-4714-87DF-F4F341443054}"/>
-              </a:ext>
-            </a:extLst>
-          </p:cNvPr>
-          <p:cNvSpPr/>
-          <p:nvPr/>
-        </p:nvSpPr>
-        <p:spPr>
-          <a:xfrm>
-            <a:off x="1533144" y="1949196"/>
-            <a:ext cx="1072896" cy="170688"/>
-          </a:xfrm>
-          <a:prstGeom prst="rect">
-            <a:avLst/>
-          </a:prstGeom>
-          <a:solidFill>
-            <a:schemeClr val="bg1"/>
-          </a:solidFill>
-          <a:ln>
-            <a:noFill/>
-          </a:ln>
-        </p:spPr>
-        <p:style>
-          <a:lnRef idx="2">
-            <a:schemeClr val="accent1">
-              <a:shade val="50000"/>
-            </a:schemeClr>
-          </a:lnRef>
-          <a:fillRef idx="1">
-            <a:schemeClr val="accent1"/>
-          </a:fillRef>
-          <a:effectRef idx="0">
-            <a:schemeClr val="accent1"/>
-          </a:effectRef>
-          <a:fontRef idx="minor">
-            <a:schemeClr val="lt1"/>
-          </a:fontRef>
-        </p:style>
-        <p:txBody>
-          <a:bodyPr rtlCol="0" anchor="ctr"/>
-          <a:lstStyle/>
-          <a:p>
-            <a:pPr algn="ctr"/>
-            <a:endParaRPr lang="en-US"/>
-          </a:p>
-        </p:txBody>
-      </p:sp>
-      <p:sp>
-        <p:nvSpPr>
-          <p:cNvPr id="10" name="正方形/長方形 9">
-            <a:extLst>
-              <a:ext uri="{FF2B5EF4-FFF2-40B4-BE49-F238E27FC236}">
-                <a16:creationId xmlns:a16="http://schemas.microsoft.com/office/drawing/2014/main" id="{DC406C16-6222-4A72-A1DE-4F2500175C00}"/>
-              </a:ext>
-            </a:extLst>
-          </p:cNvPr>
-          <p:cNvSpPr/>
-          <p:nvPr/>
-        </p:nvSpPr>
-        <p:spPr>
-          <a:xfrm>
-            <a:off x="1296924" y="2749296"/>
-            <a:ext cx="1400556" cy="222816"/>
-          </a:xfrm>
-          <a:prstGeom prst="rect">
-            <a:avLst/>
-          </a:prstGeom>
-          <a:solidFill>
-            <a:schemeClr val="bg1"/>
-          </a:solidFill>
-          <a:ln>
-            <a:noFill/>
-          </a:ln>
-        </p:spPr>
-        <p:style>
-          <a:lnRef idx="2">
-            <a:schemeClr val="accent1">
-              <a:shade val="50000"/>
-            </a:schemeClr>
-          </a:lnRef>
-          <a:fillRef idx="1">
-            <a:schemeClr val="accent1"/>
-          </a:fillRef>
-          <a:effectRef idx="0">
-            <a:schemeClr val="accent1"/>
-          </a:effectRef>
-          <a:fontRef idx="minor">
-            <a:schemeClr val="lt1"/>
-          </a:fontRef>
-        </p:style>
-        <p:txBody>
-          <a:bodyPr rtlCol="0" anchor="ctr"/>
-          <a:lstStyle/>
-          <a:p>
-            <a:pPr algn="ctr"/>
-            <a:endParaRPr lang="en-US"/>
-          </a:p>
-        </p:txBody>
-      </p:sp>
-      <p:sp>
-        <p:nvSpPr>
-          <p:cNvPr id="11" name="正方形/長方形 10">
-            <a:extLst>
-              <a:ext uri="{FF2B5EF4-FFF2-40B4-BE49-F238E27FC236}">
-                <a16:creationId xmlns:a16="http://schemas.microsoft.com/office/drawing/2014/main" id="{CF04DC4F-1676-4AA5-A41C-0688B1472C67}"/>
-              </a:ext>
-            </a:extLst>
-          </p:cNvPr>
-          <p:cNvSpPr/>
-          <p:nvPr/>
-        </p:nvSpPr>
-        <p:spPr>
-          <a:xfrm>
-            <a:off x="4139184" y="3046475"/>
-            <a:ext cx="1766316" cy="281005"/>
-          </a:xfrm>
-          <a:prstGeom prst="rect">
-            <a:avLst/>
-          </a:prstGeom>
-          <a:solidFill>
-            <a:schemeClr val="bg1"/>
-          </a:solidFill>
-          <a:ln>
-            <a:noFill/>
-          </a:ln>
-        </p:spPr>
-        <p:style>
-          <a:lnRef idx="2">
-            <a:schemeClr val="accent1">
-              <a:shade val="50000"/>
-            </a:schemeClr>
-          </a:lnRef>
-          <a:fillRef idx="1">
-            <a:schemeClr val="accent1"/>
-          </a:fillRef>
-          <a:effectRef idx="0">
-            <a:schemeClr val="accent1"/>
-          </a:effectRef>
-          <a:fontRef idx="minor">
-            <a:schemeClr val="lt1"/>
-          </a:fontRef>
-        </p:style>
-        <p:txBody>
-          <a:bodyPr rtlCol="0" anchor="ctr"/>
-          <a:lstStyle/>
-          <a:p>
-            <a:pPr algn="ctr"/>
-            <a:endParaRPr lang="en-US"/>
-          </a:p>
-        </p:txBody>
-      </p:sp>
-      <p:sp>
-        <p:nvSpPr>
-          <p:cNvPr id="13" name="正方形/長方形 12">
-            <a:extLst>
-              <a:ext uri="{FF2B5EF4-FFF2-40B4-BE49-F238E27FC236}">
-                <a16:creationId xmlns:a16="http://schemas.microsoft.com/office/drawing/2014/main" id="{912F0CA1-1E91-4D27-927C-15645F88908D}"/>
-              </a:ext>
-            </a:extLst>
-          </p:cNvPr>
-          <p:cNvSpPr/>
-          <p:nvPr/>
-        </p:nvSpPr>
-        <p:spPr>
-          <a:xfrm>
-            <a:off x="10530840" y="1668191"/>
-            <a:ext cx="701040" cy="94569"/>
-          </a:xfrm>
-          <a:prstGeom prst="rect">
-            <a:avLst/>
-          </a:prstGeom>
-          <a:solidFill>
-            <a:schemeClr val="bg1"/>
-          </a:solidFill>
-          <a:ln>
-            <a:noFill/>
-          </a:ln>
-        </p:spPr>
-        <p:style>
-          <a:lnRef idx="2">
-            <a:schemeClr val="accent1">
-              <a:shade val="50000"/>
-            </a:schemeClr>
-          </a:lnRef>
-          <a:fillRef idx="1">
-            <a:schemeClr val="accent1"/>
-          </a:fillRef>
-          <a:effectRef idx="0">
-            <a:schemeClr val="accent1"/>
-          </a:effectRef>
-          <a:fontRef idx="minor">
-            <a:schemeClr val="lt1"/>
-          </a:fontRef>
-        </p:style>
-        <p:txBody>
-          <a:bodyPr rtlCol="0" anchor="ctr"/>
-          <a:lstStyle/>
-          <a:p>
-            <a:pPr algn="ctr"/>
-            <a:endParaRPr lang="en-US"/>
-          </a:p>
-        </p:txBody>
-      </p:sp>
-      <p:sp>
-        <p:nvSpPr>
-          <p:cNvPr id="14" name="正方形/長方形 13">
-            <a:extLst>
-              <a:ext uri="{FF2B5EF4-FFF2-40B4-BE49-F238E27FC236}">
-                <a16:creationId xmlns:a16="http://schemas.microsoft.com/office/drawing/2014/main" id="{E77B932B-3C40-45A7-9324-35E3511AF022}"/>
-              </a:ext>
-            </a:extLst>
-          </p:cNvPr>
-          <p:cNvSpPr/>
-          <p:nvPr/>
-        </p:nvSpPr>
-        <p:spPr>
-          <a:xfrm>
-            <a:off x="10648950" y="2120311"/>
-            <a:ext cx="701040" cy="94569"/>
-          </a:xfrm>
-          <a:prstGeom prst="rect">
-            <a:avLst/>
-          </a:prstGeom>
-          <a:solidFill>
-            <a:schemeClr val="bg1"/>
-          </a:solidFill>
-          <a:ln>
-            <a:noFill/>
-          </a:ln>
-        </p:spPr>
-        <p:style>
-          <a:lnRef idx="2">
-            <a:schemeClr val="accent1">
-              <a:shade val="50000"/>
-            </a:schemeClr>
-          </a:lnRef>
-          <a:fillRef idx="1">
-            <a:schemeClr val="accent1"/>
-          </a:fillRef>
-          <a:effectRef idx="0">
-            <a:schemeClr val="accent1"/>
-          </a:effectRef>
-          <a:fontRef idx="minor">
-            <a:schemeClr val="lt1"/>
-          </a:fontRef>
-        </p:style>
-        <p:txBody>
-          <a:bodyPr rtlCol="0" anchor="ctr"/>
-          <a:lstStyle/>
-          <a:p>
-            <a:pPr algn="ctr"/>
-            <a:endParaRPr lang="en-US"/>
-          </a:p>
-        </p:txBody>
-      </p:sp>
-      <p:sp>
-        <p:nvSpPr>
-          <p:cNvPr id="15" name="正方形/長方形 14">
-            <a:extLst>
-              <a:ext uri="{FF2B5EF4-FFF2-40B4-BE49-F238E27FC236}">
-                <a16:creationId xmlns:a16="http://schemas.microsoft.com/office/drawing/2014/main" id="{FABAD17A-9A76-4E9E-AF16-1167851DBCD1}"/>
-              </a:ext>
-            </a:extLst>
-          </p:cNvPr>
-          <p:cNvSpPr/>
-          <p:nvPr/>
-        </p:nvSpPr>
-        <p:spPr>
-          <a:xfrm>
-            <a:off x="10648950" y="2525146"/>
-            <a:ext cx="701040" cy="94569"/>
-          </a:xfrm>
-          <a:prstGeom prst="rect">
-            <a:avLst/>
-          </a:prstGeom>
-          <a:solidFill>
-            <a:schemeClr val="bg1"/>
-          </a:solidFill>
-          <a:ln>
-            <a:noFill/>
-          </a:ln>
-        </p:spPr>
-        <p:style>
-          <a:lnRef idx="2">
-            <a:schemeClr val="accent1">
-              <a:shade val="50000"/>
-            </a:schemeClr>
-          </a:lnRef>
-          <a:fillRef idx="1">
-            <a:schemeClr val="accent1"/>
-          </a:fillRef>
-          <a:effectRef idx="0">
-            <a:schemeClr val="accent1"/>
-          </a:effectRef>
-          <a:fontRef idx="minor">
-            <a:schemeClr val="lt1"/>
-          </a:fontRef>
-        </p:style>
-        <p:txBody>
-          <a:bodyPr rtlCol="0" anchor="ctr"/>
-          <a:lstStyle/>
-          <a:p>
-            <a:pPr algn="ctr"/>
-            <a:endParaRPr lang="en-US"/>
-          </a:p>
-        </p:txBody>
-      </p:sp>
-      <p:sp>
-        <p:nvSpPr>
-          <p:cNvPr id="16" name="正方形/長方形 15">
-            <a:extLst>
-              <a:ext uri="{FF2B5EF4-FFF2-40B4-BE49-F238E27FC236}">
-                <a16:creationId xmlns:a16="http://schemas.microsoft.com/office/drawing/2014/main" id="{050BAF4D-85A1-4148-BFB2-02F7916FDCD4}"/>
-              </a:ext>
-            </a:extLst>
-          </p:cNvPr>
-          <p:cNvSpPr/>
-          <p:nvPr/>
-        </p:nvSpPr>
-        <p:spPr>
-          <a:xfrm>
-            <a:off x="10628630" y="2681691"/>
-            <a:ext cx="701040" cy="94569"/>
-          </a:xfrm>
-          <a:prstGeom prst="rect">
-            <a:avLst/>
-          </a:prstGeom>
-          <a:solidFill>
-            <a:schemeClr val="bg1"/>
-          </a:solidFill>
-          <a:ln>
-            <a:noFill/>
-          </a:ln>
-        </p:spPr>
-        <p:style>
-          <a:lnRef idx="2">
-            <a:schemeClr val="accent1">
-              <a:shade val="50000"/>
-            </a:schemeClr>
-          </a:lnRef>
-          <a:fillRef idx="1">
-            <a:schemeClr val="accent1"/>
-          </a:fillRef>
-          <a:effectRef idx="0">
-            <a:schemeClr val="accent1"/>
-          </a:effectRef>
-          <a:fontRef idx="minor">
-            <a:schemeClr val="lt1"/>
-          </a:fontRef>
-        </p:style>
-        <p:txBody>
-          <a:bodyPr rtlCol="0" anchor="ctr"/>
-          <a:lstStyle/>
-          <a:p>
-            <a:pPr algn="ctr"/>
-            <a:endParaRPr lang="en-US"/>
-          </a:p>
-        </p:txBody>
-      </p:sp>
-      <p:cxnSp>
-        <p:nvCxnSpPr>
-          <p:cNvPr id="18" name="直線矢印コネクタ 17">
-            <a:extLst>
-              <a:ext uri="{FF2B5EF4-FFF2-40B4-BE49-F238E27FC236}">
-                <a16:creationId xmlns:a16="http://schemas.microsoft.com/office/drawing/2014/main" id="{B70E555D-138E-49E4-AC81-EE2B9A7078F2}"/>
-              </a:ext>
-            </a:extLst>
-          </p:cNvPr>
-          <p:cNvCxnSpPr>
-            <a:cxnSpLocks/>
-            <a:stCxn id="5" idx="3"/>
-          </p:cNvCxnSpPr>
-          <p:nvPr/>
-        </p:nvCxnSpPr>
-        <p:spPr>
-          <a:xfrm>
-            <a:off x="8298180" y="2388870"/>
-            <a:ext cx="2232660" cy="1878330"/>
-          </a:xfrm>
-          <a:prstGeom prst="straightConnector1">
-            <a:avLst/>
-          </a:prstGeom>
-          <a:ln w="38100">
-            <a:solidFill>
-              <a:srgbClr val="EE0000"/>
-            </a:solidFill>
-            <a:tailEnd type="triangle"/>
-          </a:ln>
-        </p:spPr>
-        <p:style>
-          <a:lnRef idx="1">
-            <a:schemeClr val="accent1"/>
-          </a:lnRef>
-          <a:fillRef idx="0">
-            <a:schemeClr val="accent1"/>
-          </a:fillRef>
-          <a:effectRef idx="0">
-            <a:schemeClr val="accent1"/>
-          </a:effectRef>
-          <a:fontRef idx="minor">
-            <a:schemeClr val="tx1"/>
-          </a:fontRef>
-        </p:style>
-      </p:cxnSp>
-    </p:spTree>
-    <p:extLst>
-      <p:ext uri="{BB962C8B-B14F-4D97-AF65-F5344CB8AC3E}">
-        <p14:creationId xmlns:p14="http://schemas.microsoft.com/office/powerpoint/2010/main" val="1442070918"/>
-      </p:ext>
-    </p:extLst>
-  </p:cSld>
-  <p:clrMapOvr>
-    <a:masterClrMapping/>
-  </p:clrMapOvr>
-</p:sld>
-</file>
-
-<file path=ppt/slides/slide4.xml><?xml version="1.0" encoding="utf-8"?>
-<p:sld xmlns:a="http://schemas.openxmlformats.org/drawingml/2006/main" xmlns:r="http://schemas.openxmlformats.org/officeDocument/2006/relationships" xmlns:p="http://schemas.openxmlformats.org/presentationml/2006/main">
-  <p:cSld>
-    <p:spTree>
-      <p:nvGrpSpPr>
-        <p:cNvPr id="1" name=""/>
-        <p:cNvGrpSpPr/>
-        <p:nvPr/>
-      </p:nvGrpSpPr>
-      <p:grpSpPr>
-        <a:xfrm>
-          <a:off x="0" y="0"/>
-          <a:ext cx="0" cy="0"/>
-          <a:chOff x="0" y="0"/>
-          <a:chExt cx="0" cy="0"/>
-        </a:xfrm>
-      </p:grpSpPr>
-      <p:pic>
-        <p:nvPicPr>
-          <p:cNvPr id="3" name="図 2">
-            <a:extLst>
-              <a:ext uri="{FF2B5EF4-FFF2-40B4-BE49-F238E27FC236}">
-                <a16:creationId xmlns:a16="http://schemas.microsoft.com/office/drawing/2014/main" id="{43ABD728-518D-47BA-BD94-C15300FE0BB4}"/>
-              </a:ext>
-            </a:extLst>
-          </p:cNvPr>
-          <p:cNvPicPr>
-            <a:picLocks noChangeAspect="1"/>
-          </p:cNvPicPr>
-          <p:nvPr/>
-        </p:nvPicPr>
-        <p:blipFill>
-          <a:blip r:embed="rId2"/>
-          <a:stretch>
-            <a:fillRect/>
-          </a:stretch>
-        </p:blipFill>
-        <p:spPr>
-          <a:xfrm>
-            <a:off x="1681983" y="0"/>
-            <a:ext cx="8828033" cy="6858000"/>
-          </a:xfrm>
-          <a:prstGeom prst="rect">
-            <a:avLst/>
-          </a:prstGeom>
-        </p:spPr>
-      </p:pic>
-      <p:sp>
-        <p:nvSpPr>
-          <p:cNvPr id="5" name="正方形/長方形 4">
-            <a:extLst>
-              <a:ext uri="{FF2B5EF4-FFF2-40B4-BE49-F238E27FC236}">
-                <a16:creationId xmlns:a16="http://schemas.microsoft.com/office/drawing/2014/main" id="{46C30581-1F4A-4888-805D-576DFD16AD81}"/>
-              </a:ext>
-            </a:extLst>
-          </p:cNvPr>
-          <p:cNvSpPr/>
-          <p:nvPr/>
-        </p:nvSpPr>
-        <p:spPr>
-          <a:xfrm>
-            <a:off x="1865555" y="1879450"/>
-            <a:ext cx="6507479" cy="155538"/>
-          </a:xfrm>
-          <a:prstGeom prst="rect">
-            <a:avLst/>
-          </a:prstGeom>
-          <a:noFill/>
-          <a:ln w="19050">
-            <a:solidFill>
-              <a:srgbClr val="EE0000"/>
-            </a:solidFill>
-          </a:ln>
-        </p:spPr>
-        <p:style>
-          <a:lnRef idx="2">
-            <a:schemeClr val="accent1">
-              <a:shade val="50000"/>
-            </a:schemeClr>
-          </a:lnRef>
-          <a:fillRef idx="1">
-            <a:schemeClr val="accent1"/>
-          </a:fillRef>
-          <a:effectRef idx="0">
-            <a:schemeClr val="accent1"/>
-          </a:effectRef>
-          <a:fontRef idx="minor">
-            <a:schemeClr val="lt1"/>
-          </a:fontRef>
-        </p:style>
-        <p:txBody>
-          <a:bodyPr rtlCol="0" anchor="ctr"/>
-          <a:lstStyle/>
-          <a:p>
-            <a:pPr algn="ctr"/>
-            <a:endParaRPr lang="en-US"/>
-          </a:p>
-        </p:txBody>
-      </p:sp>
-    </p:spTree>
-    <p:extLst>
-      <p:ext uri="{BB962C8B-B14F-4D97-AF65-F5344CB8AC3E}">
-        <p14:creationId xmlns:p14="http://schemas.microsoft.com/office/powerpoint/2010/main" val="685624744"/>
       </p:ext>
     </p:extLst>
   </p:cSld>
